--- a/Particle Accelerator Simulation.pptx
+++ b/Particle Accelerator Simulation.pptx
@@ -8,11 +8,13 @@
     <p:sldId id="256" r:id="rId3"/>
     <p:sldId id="257" r:id="rId4"/>
     <p:sldId id="258" r:id="rId5"/>
-    <p:sldId id="259" r:id="rId6"/>
-    <p:sldId id="260" r:id="rId7"/>
-    <p:sldId id="261" r:id="rId8"/>
-    <p:sldId id="262" r:id="rId9"/>
-    <p:sldId id="263" r:id="rId10"/>
+    <p:sldId id="264" r:id="rId6"/>
+    <p:sldId id="259" r:id="rId7"/>
+    <p:sldId id="265" r:id="rId8"/>
+    <p:sldId id="260" r:id="rId9"/>
+    <p:sldId id="261" r:id="rId10"/>
+    <p:sldId id="262" r:id="rId11"/>
+    <p:sldId id="263" r:id="rId12"/>
   </p:sldIdLst>
   <p:sldSz cx="12192000" cy="6858000"/>
   <p:notesSz cx="6858000" cy="9144000"/>
@@ -2000,7 +2002,7 @@
           <a:p>
             <a:r>
               <a:rPr lang="en-US" altLang="zh-CN"/>
-              <a:t>Bomin Zhang</a:t>
+              <a:t>Anthony Zummo   Bomin Zhang</a:t>
             </a:r>
             <a:endParaRPr lang="en-US" altLang="zh-CN"/>
           </a:p>
@@ -2030,6 +2032,74 @@
           </a:p>
         </p:txBody>
       </p:sp>
+    </p:spTree>
+  </p:cSld>
+  <p:clrMapOvr>
+    <a:masterClrMapping/>
+  </p:clrMapOvr>
+</p:sld>
+</file>
+
+<file path=ppt/slides/slide10.xml><?xml version="1.0" encoding="utf-8"?>
+<p:sld xmlns:a="http://schemas.openxmlformats.org/drawingml/2006/main" xmlns:r="http://schemas.openxmlformats.org/officeDocument/2006/relationships" xmlns:p="http://schemas.openxmlformats.org/presentationml/2006/main">
+  <p:cSld>
+    <p:spTree>
+      <p:nvGrpSpPr>
+        <p:cNvPr id="1" name=""/>
+        <p:cNvGrpSpPr/>
+        <p:nvPr/>
+      </p:nvGrpSpPr>
+      <p:grpSpPr/>
+      <p:sp>
+        <p:nvSpPr>
+          <p:cNvPr id="2" name="标题 1"/>
+          <p:cNvSpPr>
+            <a:spLocks noGrp="1"/>
+          </p:cNvSpPr>
+          <p:nvPr>
+            <p:ph type="title"/>
+          </p:nvPr>
+        </p:nvSpPr>
+        <p:spPr/>
+        <p:txBody>
+          <a:bodyPr/>
+          <a:p>
+            <a:pPr algn="ctr"/>
+            <a:r>
+              <a:rPr lang="en-US" altLang="zh-CN"/>
+              <a:t>Thanks!</a:t>
+            </a:r>
+            <a:endParaRPr lang="en-US" altLang="zh-CN"/>
+          </a:p>
+        </p:txBody>
+      </p:sp>
+      <p:pic>
+        <p:nvPicPr>
+          <p:cNvPr id="5" name="内容占位符 4" descr="figure_4"/>
+          <p:cNvPicPr>
+            <a:picLocks noChangeAspect="1"/>
+          </p:cNvPicPr>
+          <p:nvPr>
+            <p:ph idx="1"/>
+          </p:nvPr>
+        </p:nvPicPr>
+        <p:blipFill>
+          <a:blip r:embed="rId1"/>
+          <a:srcRect/>
+          <a:stretch>
+            <a:fillRect/>
+          </a:stretch>
+        </p:blipFill>
+        <p:spPr>
+          <a:xfrm>
+            <a:off x="3578225" y="1148080"/>
+            <a:ext cx="6654165" cy="4949190"/>
+          </a:xfrm>
+          <a:prstGeom prst="rect">
+            <a:avLst/>
+          </a:prstGeom>
+        </p:spPr>
+      </p:pic>
     </p:spTree>
   </p:cSld>
   <p:clrMapOvr>
@@ -2322,62 +2392,89 @@
           <a:p>
             <a:r>
               <a:rPr lang="en-US" altLang="zh-CN"/>
-              <a:t>Decay Chain</a:t>
-            </a:r>
-            <a:endParaRPr lang="en-US" altLang="zh-CN"/>
-          </a:p>
-        </p:txBody>
-      </p:sp>
-      <p:sp>
-        <p:nvSpPr>
-          <p:cNvPr id="3" name="内容占位符 2"/>
-          <p:cNvSpPr>
-            <a:spLocks noGrp="1"/>
-          </p:cNvSpPr>
+              <a:t>Lorentz Boost</a:t>
+            </a:r>
+            <a:endParaRPr lang="en-US" altLang="zh-CN"/>
+          </a:p>
+        </p:txBody>
+      </p:sp>
+      <p:pic>
+        <p:nvPicPr>
+          <p:cNvPr id="6" name="内容占位符 5"/>
+          <p:cNvPicPr>
+            <a:picLocks noChangeAspect="1"/>
+          </p:cNvPicPr>
           <p:nvPr>
             <p:ph idx="1"/>
           </p:nvPr>
-        </p:nvSpPr>
-        <p:spPr/>
-        <p:txBody>
-          <a:bodyPr/>
-          <a:p>
-            <a:r>
-              <a:rPr lang="en-US" altLang="zh-CN"/>
-              <a:t>simulation is determined by random</a:t>
-            </a:r>
-            <a:endParaRPr lang="en-US" altLang="zh-CN"/>
-          </a:p>
-          <a:p>
-            <a:r>
-              <a:rPr lang="en-US" altLang="zh-CN"/>
-              <a:t>the possibility in random function can be modified to perform a more realistical simulation</a:t>
-            </a:r>
-            <a:endParaRPr lang="en-US" altLang="zh-CN"/>
-          </a:p>
-          <a:p>
-            <a:r>
-              <a:rPr lang="en-US" altLang="zh-CN"/>
-              <a:t>will produce a pair of parents in the coillision</a:t>
-            </a:r>
-            <a:endParaRPr lang="en-US" altLang="zh-CN"/>
-          </a:p>
-          <a:p>
-            <a:r>
-              <a:rPr lang="en-US" altLang="zh-CN"/>
-              <a:t>each parent will decay to two daughter particle</a:t>
-            </a:r>
-            <a:endParaRPr lang="en-US" altLang="zh-CN"/>
-          </a:p>
-          <a:p>
-            <a:r>
-              <a:rPr lang="en-US" altLang="zh-CN"/>
-              <a:t>output simulated decaychain for the following steps </a:t>
-            </a:r>
-            <a:endParaRPr lang="en-US" altLang="zh-CN"/>
-          </a:p>
-        </p:txBody>
-      </p:sp>
+        </p:nvPicPr>
+        <p:blipFill>
+          <a:blip r:embed="rId1"/>
+          <a:srcRect/>
+          <a:stretch>
+            <a:fillRect/>
+          </a:stretch>
+        </p:blipFill>
+        <p:spPr>
+          <a:xfrm>
+            <a:off x="2136140" y="1125220"/>
+            <a:ext cx="4178935" cy="5207000"/>
+          </a:xfrm>
+          <a:prstGeom prst="rect">
+            <a:avLst/>
+          </a:prstGeom>
+        </p:spPr>
+      </p:pic>
+      <p:pic>
+        <p:nvPicPr>
+          <p:cNvPr id="7" name="图片 6"/>
+          <p:cNvPicPr>
+            <a:picLocks noChangeAspect="1"/>
+          </p:cNvPicPr>
+          <p:nvPr/>
+        </p:nvPicPr>
+        <p:blipFill>
+          <a:blip r:embed="rId2"/>
+          <a:srcRect/>
+          <a:stretch>
+            <a:fillRect/>
+          </a:stretch>
+        </p:blipFill>
+        <p:spPr>
+          <a:xfrm>
+            <a:off x="6580505" y="4027805"/>
+            <a:ext cx="5431790" cy="2179320"/>
+          </a:xfrm>
+          <a:prstGeom prst="rect">
+            <a:avLst/>
+          </a:prstGeom>
+        </p:spPr>
+      </p:pic>
+      <p:pic>
+        <p:nvPicPr>
+          <p:cNvPr id="8" name="图片 7"/>
+          <p:cNvPicPr>
+            <a:picLocks noChangeAspect="1"/>
+          </p:cNvPicPr>
+          <p:nvPr/>
+        </p:nvPicPr>
+        <p:blipFill>
+          <a:blip r:embed="rId3"/>
+          <a:srcRect/>
+          <a:stretch>
+            <a:fillRect/>
+          </a:stretch>
+        </p:blipFill>
+        <p:spPr>
+          <a:xfrm>
+            <a:off x="6710045" y="1162685"/>
+            <a:ext cx="4325620" cy="2547620"/>
+          </a:xfrm>
+          <a:prstGeom prst="rect">
+            <a:avLst/>
+          </a:prstGeom>
+        </p:spPr>
+      </p:pic>
     </p:spTree>
   </p:cSld>
   <p:clrMapOvr>
@@ -2412,7 +2509,7 @@
           <a:p>
             <a:r>
               <a:rPr lang="en-US" altLang="zh-CN"/>
-              <a:t>Two Body Decay</a:t>
+              <a:t>Decay Chain</a:t>
             </a:r>
             <a:endParaRPr lang="en-US" altLang="zh-CN"/>
           </a:p>
@@ -2434,31 +2531,35 @@
           <a:p>
             <a:r>
               <a:rPr lang="en-US" altLang="zh-CN"/>
-              <a:t>get information from duaghter particle produced in previous decaychain function</a:t>
-            </a:r>
-            <a:endParaRPr lang="en-US" altLang="zh-CN"/>
-          </a:p>
-          <a:p>
-            <a:r>
-              <a:rPr lang="en-US" altLang="zh-CN"/>
-              <a:t>Based on energy conservation and momentum relaticistically</a:t>
-            </a:r>
-            <a:endParaRPr lang="en-US" altLang="zh-CN"/>
-          </a:p>
-          <a:p>
-            <a:r>
-              <a:rPr lang="en-US" altLang="zh-CN"/>
-              <a:t>output:</a:t>
-            </a:r>
-            <a:endParaRPr lang="en-US" altLang="zh-CN"/>
-          </a:p>
-          <a:p>
-            <a:pPr marL="0" indent="0">
-              <a:buNone/>
-            </a:pPr>
-            <a:r>
-              <a:rPr lang="en-US" altLang="zh-CN"/>
-              <a:t>   position, velocity, angles from each axis.</a:t>
+              <a:t>simulation is determined by random</a:t>
+            </a:r>
+            <a:endParaRPr lang="en-US" altLang="zh-CN"/>
+          </a:p>
+          <a:p>
+            <a:r>
+              <a:rPr lang="en-US" altLang="zh-CN"/>
+              <a:t>the possibility in random function can be modified to perform a more realistical simulation</a:t>
+            </a:r>
+            <a:endParaRPr lang="en-US" altLang="zh-CN"/>
+          </a:p>
+          <a:p>
+            <a:r>
+              <a:rPr lang="en-US" altLang="zh-CN"/>
+              <a:t>will produce a pair of parents in the coillision</a:t>
+            </a:r>
+            <a:endParaRPr lang="en-US" altLang="zh-CN"/>
+          </a:p>
+          <a:p>
+            <a:r>
+              <a:rPr lang="en-US" altLang="zh-CN"/>
+              <a:t>each parent will decay to two daughter particle</a:t>
+            </a:r>
+            <a:endParaRPr lang="en-US" altLang="zh-CN"/>
+          </a:p>
+          <a:p>
+            <a:r>
+              <a:rPr lang="en-US" altLang="zh-CN"/>
+              <a:t>output simulated decaychain for the following steps </a:t>
             </a:r>
             <a:endParaRPr lang="en-US" altLang="zh-CN"/>
           </a:p>
@@ -2473,6 +2574,159 @@
 </file>
 
 <file path=ppt/slides/slide6.xml><?xml version="1.0" encoding="utf-8"?>
+<p:sld xmlns:a="http://schemas.openxmlformats.org/drawingml/2006/main" xmlns:r="http://schemas.openxmlformats.org/officeDocument/2006/relationships" xmlns:p="http://schemas.openxmlformats.org/presentationml/2006/main">
+  <p:cSld>
+    <p:spTree>
+      <p:nvGrpSpPr>
+        <p:cNvPr id="1" name=""/>
+        <p:cNvGrpSpPr/>
+        <p:nvPr/>
+      </p:nvGrpSpPr>
+      <p:grpSpPr/>
+      <p:sp>
+        <p:nvSpPr>
+          <p:cNvPr id="2" name="标题 1"/>
+          <p:cNvSpPr>
+            <a:spLocks noGrp="1"/>
+          </p:cNvSpPr>
+          <p:nvPr>
+            <p:ph type="title"/>
+          </p:nvPr>
+        </p:nvSpPr>
+        <p:spPr/>
+        <p:txBody>
+          <a:bodyPr/>
+          <a:p>
+            <a:r>
+              <a:rPr lang="en-US" altLang="zh-CN"/>
+              <a:t>Decay Chain Code</a:t>
+            </a:r>
+            <a:endParaRPr lang="en-US" altLang="zh-CN"/>
+          </a:p>
+        </p:txBody>
+      </p:sp>
+      <p:pic>
+        <p:nvPicPr>
+          <p:cNvPr id="6" name="内容占位符 5"/>
+          <p:cNvPicPr>
+            <a:picLocks noChangeAspect="1"/>
+          </p:cNvPicPr>
+          <p:nvPr>
+            <p:ph idx="1"/>
+          </p:nvPr>
+        </p:nvPicPr>
+        <p:blipFill>
+          <a:blip r:embed="rId1"/>
+          <a:srcRect/>
+          <a:stretch>
+            <a:fillRect/>
+          </a:stretch>
+        </p:blipFill>
+        <p:spPr>
+          <a:xfrm>
+            <a:off x="2450465" y="2315210"/>
+            <a:ext cx="4340860" cy="2817495"/>
+          </a:xfrm>
+          <a:prstGeom prst="rect">
+            <a:avLst/>
+          </a:prstGeom>
+        </p:spPr>
+      </p:pic>
+    </p:spTree>
+  </p:cSld>
+  <p:clrMapOvr>
+    <a:masterClrMapping/>
+  </p:clrMapOvr>
+</p:sld>
+</file>
+
+<file path=ppt/slides/slide7.xml><?xml version="1.0" encoding="utf-8"?>
+<p:sld xmlns:a="http://schemas.openxmlformats.org/drawingml/2006/main" xmlns:r="http://schemas.openxmlformats.org/officeDocument/2006/relationships" xmlns:p="http://schemas.openxmlformats.org/presentationml/2006/main">
+  <p:cSld>
+    <p:spTree>
+      <p:nvGrpSpPr>
+        <p:cNvPr id="1" name=""/>
+        <p:cNvGrpSpPr/>
+        <p:nvPr/>
+      </p:nvGrpSpPr>
+      <p:grpSpPr/>
+      <p:sp>
+        <p:nvSpPr>
+          <p:cNvPr id="2" name="标题 1"/>
+          <p:cNvSpPr>
+            <a:spLocks noGrp="1"/>
+          </p:cNvSpPr>
+          <p:nvPr>
+            <p:ph type="title"/>
+          </p:nvPr>
+        </p:nvSpPr>
+        <p:spPr/>
+        <p:txBody>
+          <a:bodyPr/>
+          <a:p>
+            <a:r>
+              <a:rPr lang="en-US" altLang="zh-CN"/>
+              <a:t>Two Body Decay</a:t>
+            </a:r>
+            <a:endParaRPr lang="en-US" altLang="zh-CN"/>
+          </a:p>
+        </p:txBody>
+      </p:sp>
+      <p:sp>
+        <p:nvSpPr>
+          <p:cNvPr id="3" name="内容占位符 2"/>
+          <p:cNvSpPr>
+            <a:spLocks noGrp="1"/>
+          </p:cNvSpPr>
+          <p:nvPr>
+            <p:ph idx="1"/>
+          </p:nvPr>
+        </p:nvSpPr>
+        <p:spPr/>
+        <p:txBody>
+          <a:bodyPr/>
+          <a:p>
+            <a:r>
+              <a:rPr lang="en-US" altLang="zh-CN"/>
+              <a:t>get information from duaghter particle produced in previous decaychain function</a:t>
+            </a:r>
+            <a:endParaRPr lang="en-US" altLang="zh-CN"/>
+          </a:p>
+          <a:p>
+            <a:r>
+              <a:rPr lang="en-US" altLang="zh-CN"/>
+              <a:t>Based on energy conservation and momentum relaticistically</a:t>
+            </a:r>
+            <a:endParaRPr lang="en-US" altLang="zh-CN"/>
+          </a:p>
+          <a:p>
+            <a:r>
+              <a:rPr lang="en-US" altLang="zh-CN"/>
+              <a:t>output:</a:t>
+            </a:r>
+            <a:endParaRPr lang="en-US" altLang="zh-CN"/>
+          </a:p>
+          <a:p>
+            <a:pPr marL="0" indent="0">
+              <a:buNone/>
+            </a:pPr>
+            <a:r>
+              <a:rPr lang="en-US" altLang="zh-CN"/>
+              <a:t>   position, velocity, angles from each axis.</a:t>
+            </a:r>
+            <a:endParaRPr lang="en-US" altLang="zh-CN"/>
+          </a:p>
+        </p:txBody>
+      </p:sp>
+    </p:spTree>
+  </p:cSld>
+  <p:clrMapOvr>
+    <a:masterClrMapping/>
+  </p:clrMapOvr>
+</p:sld>
+</file>
+
+<file path=ppt/slides/slide8.xml><?xml version="1.0" encoding="utf-8"?>
 <p:sld xmlns:a="http://schemas.openxmlformats.org/drawingml/2006/main" xmlns:r="http://schemas.openxmlformats.org/officeDocument/2006/relationships" xmlns:p="http://schemas.openxmlformats.org/presentationml/2006/main">
   <p:cSld>
     <p:spTree>
@@ -2626,7 +2880,7 @@
 </p:sld>
 </file>
 
-<file path=ppt/slides/slide7.xml><?xml version="1.0" encoding="utf-8"?>
+<file path=ppt/slides/slide9.xml><?xml version="1.0" encoding="utf-8"?>
 <p:sld xmlns:a="http://schemas.openxmlformats.org/drawingml/2006/main" xmlns:r="http://schemas.openxmlformats.org/officeDocument/2006/relationships" xmlns:p="http://schemas.openxmlformats.org/presentationml/2006/main">
   <p:cSld>
     <p:spTree>
@@ -2734,74 +2988,6 @@
           </a:p>
         </p:txBody>
       </p:sp>
-    </p:spTree>
-  </p:cSld>
-  <p:clrMapOvr>
-    <a:masterClrMapping/>
-  </p:clrMapOvr>
-</p:sld>
-</file>
-
-<file path=ppt/slides/slide8.xml><?xml version="1.0" encoding="utf-8"?>
-<p:sld xmlns:a="http://schemas.openxmlformats.org/drawingml/2006/main" xmlns:r="http://schemas.openxmlformats.org/officeDocument/2006/relationships" xmlns:p="http://schemas.openxmlformats.org/presentationml/2006/main">
-  <p:cSld>
-    <p:spTree>
-      <p:nvGrpSpPr>
-        <p:cNvPr id="1" name=""/>
-        <p:cNvGrpSpPr/>
-        <p:nvPr/>
-      </p:nvGrpSpPr>
-      <p:grpSpPr/>
-      <p:sp>
-        <p:nvSpPr>
-          <p:cNvPr id="2" name="标题 1"/>
-          <p:cNvSpPr>
-            <a:spLocks noGrp="1"/>
-          </p:cNvSpPr>
-          <p:nvPr>
-            <p:ph type="title"/>
-          </p:nvPr>
-        </p:nvSpPr>
-        <p:spPr/>
-        <p:txBody>
-          <a:bodyPr/>
-          <a:p>
-            <a:pPr algn="ctr"/>
-            <a:r>
-              <a:rPr lang="en-US" altLang="zh-CN"/>
-              <a:t>Thanks!</a:t>
-            </a:r>
-            <a:endParaRPr lang="en-US" altLang="zh-CN"/>
-          </a:p>
-        </p:txBody>
-      </p:sp>
-      <p:pic>
-        <p:nvPicPr>
-          <p:cNvPr id="4" name="内容占位符 3" descr="figure_4"/>
-          <p:cNvPicPr>
-            <a:picLocks noChangeAspect="1"/>
-          </p:cNvPicPr>
-          <p:nvPr>
-            <p:ph idx="1"/>
-          </p:nvPr>
-        </p:nvPicPr>
-        <p:blipFill>
-          <a:blip r:embed="rId1"/>
-          <a:srcRect/>
-          <a:stretch>
-            <a:fillRect/>
-          </a:stretch>
-        </p:blipFill>
-        <p:spPr>
-          <a:xfrm>
-            <a:off x="4003040" y="1797685"/>
-            <a:ext cx="5601970" cy="4166870"/>
-          </a:xfrm>
-          <a:prstGeom prst="rect">
-            <a:avLst/>
-          </a:prstGeom>
-        </p:spPr>
-      </p:pic>
     </p:spTree>
   </p:cSld>
   <p:clrMapOvr>
